--- a/A Dog’s Life.pptx
+++ b/A Dog’s Life.pptx
@@ -276,7 +276,7 @@
           <a:p>
             <a:fld id="{6B04C895-6E45-418A-9E61-4762AEEF2F92}" type="datetimeFigureOut">
               <a:rPr lang="en-US" smtClean="0"/>
-              <a:t>10/10/23</a:t>
+              <a:t>10/27/23</a:t>
             </a:fld>
             <a:endParaRPr lang="en-US"/>
           </a:p>
@@ -474,7 +474,7 @@
           <a:p>
             <a:fld id="{6B04C895-6E45-418A-9E61-4762AEEF2F92}" type="datetimeFigureOut">
               <a:rPr lang="en-US" smtClean="0"/>
-              <a:t>10/10/23</a:t>
+              <a:t>10/27/23</a:t>
             </a:fld>
             <a:endParaRPr lang="en-US"/>
           </a:p>
@@ -682,7 +682,7 @@
           <a:p>
             <a:fld id="{6B04C895-6E45-418A-9E61-4762AEEF2F92}" type="datetimeFigureOut">
               <a:rPr lang="en-US" smtClean="0"/>
-              <a:t>10/10/23</a:t>
+              <a:t>10/27/23</a:t>
             </a:fld>
             <a:endParaRPr lang="en-US"/>
           </a:p>
@@ -880,7 +880,7 @@
           <a:p>
             <a:fld id="{6B04C895-6E45-418A-9E61-4762AEEF2F92}" type="datetimeFigureOut">
               <a:rPr lang="en-US" smtClean="0"/>
-              <a:t>10/10/23</a:t>
+              <a:t>10/27/23</a:t>
             </a:fld>
             <a:endParaRPr lang="en-US"/>
           </a:p>
@@ -1155,7 +1155,7 @@
           <a:p>
             <a:fld id="{6B04C895-6E45-418A-9E61-4762AEEF2F92}" type="datetimeFigureOut">
               <a:rPr lang="en-US" smtClean="0"/>
-              <a:t>10/10/23</a:t>
+              <a:t>10/27/23</a:t>
             </a:fld>
             <a:endParaRPr lang="en-US"/>
           </a:p>
@@ -1420,7 +1420,7 @@
           <a:p>
             <a:fld id="{6B04C895-6E45-418A-9E61-4762AEEF2F92}" type="datetimeFigureOut">
               <a:rPr lang="en-US" smtClean="0"/>
-              <a:t>10/10/23</a:t>
+              <a:t>10/27/23</a:t>
             </a:fld>
             <a:endParaRPr lang="en-US"/>
           </a:p>
@@ -1832,7 +1832,7 @@
           <a:p>
             <a:fld id="{6B04C895-6E45-418A-9E61-4762AEEF2F92}" type="datetimeFigureOut">
               <a:rPr lang="en-US" smtClean="0"/>
-              <a:t>10/10/23</a:t>
+              <a:t>10/27/23</a:t>
             </a:fld>
             <a:endParaRPr lang="en-US"/>
           </a:p>
@@ -1973,7 +1973,7 @@
           <a:p>
             <a:fld id="{6B04C895-6E45-418A-9E61-4762AEEF2F92}" type="datetimeFigureOut">
               <a:rPr lang="en-US" smtClean="0"/>
-              <a:t>10/10/23</a:t>
+              <a:t>10/27/23</a:t>
             </a:fld>
             <a:endParaRPr lang="en-US"/>
           </a:p>
@@ -2086,7 +2086,7 @@
           <a:p>
             <a:fld id="{6B04C895-6E45-418A-9E61-4762AEEF2F92}" type="datetimeFigureOut">
               <a:rPr lang="en-US" smtClean="0"/>
-              <a:t>10/10/23</a:t>
+              <a:t>10/27/23</a:t>
             </a:fld>
             <a:endParaRPr lang="en-US"/>
           </a:p>
@@ -2397,7 +2397,7 @@
           <a:p>
             <a:fld id="{6B04C895-6E45-418A-9E61-4762AEEF2F92}" type="datetimeFigureOut">
               <a:rPr lang="en-US" smtClean="0"/>
-              <a:t>10/10/23</a:t>
+              <a:t>10/27/23</a:t>
             </a:fld>
             <a:endParaRPr lang="en-US"/>
           </a:p>
@@ -2685,7 +2685,7 @@
           <a:p>
             <a:fld id="{6B04C895-6E45-418A-9E61-4762AEEF2F92}" type="datetimeFigureOut">
               <a:rPr lang="en-US" smtClean="0"/>
-              <a:t>10/10/23</a:t>
+              <a:t>10/27/23</a:t>
             </a:fld>
             <a:endParaRPr lang="en-US"/>
           </a:p>
@@ -2926,7 +2926,7 @@
           <a:p>
             <a:fld id="{6B04C895-6E45-418A-9E61-4762AEEF2F92}" type="datetimeFigureOut">
               <a:rPr lang="en-US" smtClean="0"/>
-              <a:t>10/10/23</a:t>
+              <a:t>10/27/23</a:t>
             </a:fld>
             <a:endParaRPr lang="en-US"/>
           </a:p>

--- a/A Dog’s Life.pptx
+++ b/A Dog’s Life.pptx
@@ -4424,7 +4424,7 @@
         <p:spPr bwMode="auto">
           <a:xfrm>
             <a:off x="8398933" y="1667933"/>
-            <a:ext cx="3014134" cy="1004888"/>
+            <a:ext cx="3016989" cy="1005840"/>
           </a:xfrm>
           <a:prstGeom prst="rect">
             <a:avLst/>
